--- a/PPT/第1章 引言.pptx
+++ b/PPT/第1章 引言.pptx
@@ -844,7 +844,7 @@
           <a:p>
             <a:fld id="{3C2B6D4A-FA6A-4DA5-AC0F-9EA885848A9E}" type="datetimeFigureOut">
               <a:rPr lang="zh-CN" altLang="en-US" smtClean="0"/>
-              <a:t>2016/7/9</a:t>
+              <a:t>2016/7/13</a:t>
             </a:fld>
             <a:endParaRPr lang="zh-CN" altLang="en-US"/>
           </a:p>
@@ -1095,7 +1095,7 @@
           <a:p>
             <a:fld id="{3C2B6D4A-FA6A-4DA5-AC0F-9EA885848A9E}" type="datetimeFigureOut">
               <a:rPr lang="zh-CN" altLang="en-US" smtClean="0"/>
-              <a:t>2016/7/9</a:t>
+              <a:t>2016/7/13</a:t>
             </a:fld>
             <a:endParaRPr lang="zh-CN" altLang="en-US"/>
           </a:p>
@@ -1409,7 +1409,7 @@
           <a:p>
             <a:fld id="{3C2B6D4A-FA6A-4DA5-AC0F-9EA885848A9E}" type="datetimeFigureOut">
               <a:rPr lang="zh-CN" altLang="en-US" smtClean="0"/>
-              <a:t>2016/7/9</a:t>
+              <a:t>2016/7/13</a:t>
             </a:fld>
             <a:endParaRPr lang="zh-CN" altLang="en-US"/>
           </a:p>
@@ -1750,7 +1750,7 @@
           <a:p>
             <a:fld id="{3C2B6D4A-FA6A-4DA5-AC0F-9EA885848A9E}" type="datetimeFigureOut">
               <a:rPr lang="zh-CN" altLang="en-US" smtClean="0"/>
-              <a:t>2016/7/9</a:t>
+              <a:t>2016/7/13</a:t>
             </a:fld>
             <a:endParaRPr lang="zh-CN" altLang="en-US"/>
           </a:p>
@@ -2064,7 +2064,7 @@
           <a:p>
             <a:fld id="{3C2B6D4A-FA6A-4DA5-AC0F-9EA885848A9E}" type="datetimeFigureOut">
               <a:rPr lang="zh-CN" altLang="en-US" smtClean="0"/>
-              <a:t>2016/7/9</a:t>
+              <a:t>2016/7/13</a:t>
             </a:fld>
             <a:endParaRPr lang="zh-CN" altLang="en-US"/>
           </a:p>
@@ -2457,7 +2457,7 @@
           <a:p>
             <a:fld id="{3C2B6D4A-FA6A-4DA5-AC0F-9EA885848A9E}" type="datetimeFigureOut">
               <a:rPr lang="zh-CN" altLang="en-US" smtClean="0"/>
-              <a:t>2016/7/9</a:t>
+              <a:t>2016/7/13</a:t>
             </a:fld>
             <a:endParaRPr lang="zh-CN" altLang="en-US"/>
           </a:p>
@@ -2627,7 +2627,7 @@
           <a:p>
             <a:fld id="{3C2B6D4A-FA6A-4DA5-AC0F-9EA885848A9E}" type="datetimeFigureOut">
               <a:rPr lang="zh-CN" altLang="en-US" smtClean="0"/>
-              <a:t>2016/7/9</a:t>
+              <a:t>2016/7/13</a:t>
             </a:fld>
             <a:endParaRPr lang="zh-CN" altLang="en-US"/>
           </a:p>
@@ -2807,7 +2807,7 @@
           <a:p>
             <a:fld id="{3C2B6D4A-FA6A-4DA5-AC0F-9EA885848A9E}" type="datetimeFigureOut">
               <a:rPr lang="zh-CN" altLang="en-US" smtClean="0"/>
-              <a:t>2016/7/9</a:t>
+              <a:t>2016/7/13</a:t>
             </a:fld>
             <a:endParaRPr lang="zh-CN" altLang="en-US"/>
           </a:p>
@@ -2983,7 +2983,7 @@
           <a:p>
             <a:fld id="{3C2B6D4A-FA6A-4DA5-AC0F-9EA885848A9E}" type="datetimeFigureOut">
               <a:rPr lang="zh-CN" altLang="en-US" smtClean="0"/>
-              <a:t>2016/7/9</a:t>
+              <a:t>2016/7/13</a:t>
             </a:fld>
             <a:endParaRPr lang="zh-CN" altLang="en-US"/>
           </a:p>
@@ -3230,7 +3230,7 @@
           <a:p>
             <a:fld id="{3C2B6D4A-FA6A-4DA5-AC0F-9EA885848A9E}" type="datetimeFigureOut">
               <a:rPr lang="zh-CN" altLang="en-US" smtClean="0"/>
-              <a:t>2016/7/9</a:t>
+              <a:t>2016/7/13</a:t>
             </a:fld>
             <a:endParaRPr lang="zh-CN" altLang="en-US"/>
           </a:p>
@@ -3462,7 +3462,7 @@
           <a:p>
             <a:fld id="{3C2B6D4A-FA6A-4DA5-AC0F-9EA885848A9E}" type="datetimeFigureOut">
               <a:rPr lang="zh-CN" altLang="en-US" smtClean="0"/>
-              <a:t>2016/7/9</a:t>
+              <a:t>2016/7/13</a:t>
             </a:fld>
             <a:endParaRPr lang="zh-CN" altLang="en-US"/>
           </a:p>
@@ -3836,7 +3836,7 @@
           <a:p>
             <a:fld id="{3C2B6D4A-FA6A-4DA5-AC0F-9EA885848A9E}" type="datetimeFigureOut">
               <a:rPr lang="zh-CN" altLang="en-US" smtClean="0"/>
-              <a:t>2016/7/9</a:t>
+              <a:t>2016/7/13</a:t>
             </a:fld>
             <a:endParaRPr lang="zh-CN" altLang="en-US"/>
           </a:p>
@@ -3959,7 +3959,7 @@
           <a:p>
             <a:fld id="{3C2B6D4A-FA6A-4DA5-AC0F-9EA885848A9E}" type="datetimeFigureOut">
               <a:rPr lang="zh-CN" altLang="en-US" smtClean="0"/>
-              <a:t>2016/7/9</a:t>
+              <a:t>2016/7/13</a:t>
             </a:fld>
             <a:endParaRPr lang="zh-CN" altLang="en-US"/>
           </a:p>
@@ -4054,7 +4054,7 @@
           <a:p>
             <a:fld id="{3C2B6D4A-FA6A-4DA5-AC0F-9EA885848A9E}" type="datetimeFigureOut">
               <a:rPr lang="zh-CN" altLang="en-US" smtClean="0"/>
-              <a:t>2016/7/9</a:t>
+              <a:t>2016/7/13</a:t>
             </a:fld>
             <a:endParaRPr lang="zh-CN" altLang="en-US"/>
           </a:p>
@@ -4309,7 +4309,7 @@
           <a:p>
             <a:fld id="{3C2B6D4A-FA6A-4DA5-AC0F-9EA885848A9E}" type="datetimeFigureOut">
               <a:rPr lang="zh-CN" altLang="en-US" smtClean="0"/>
-              <a:t>2016/7/9</a:t>
+              <a:t>2016/7/13</a:t>
             </a:fld>
             <a:endParaRPr lang="zh-CN" altLang="en-US"/>
           </a:p>
@@ -4572,7 +4572,7 @@
           <a:p>
             <a:fld id="{3C2B6D4A-FA6A-4DA5-AC0F-9EA885848A9E}" type="datetimeFigureOut">
               <a:rPr lang="zh-CN" altLang="en-US" smtClean="0"/>
-              <a:t>2016/7/9</a:t>
+              <a:t>2016/7/13</a:t>
             </a:fld>
             <a:endParaRPr lang="zh-CN" altLang="en-US"/>
           </a:p>
@@ -5315,7 +5315,7 @@
           <a:p>
             <a:fld id="{3C2B6D4A-FA6A-4DA5-AC0F-9EA885848A9E}" type="datetimeFigureOut">
               <a:rPr lang="zh-CN" altLang="en-US" smtClean="0"/>
-              <a:t>2016/7/9</a:t>
+              <a:t>2016/7/13</a:t>
             </a:fld>
             <a:endParaRPr lang="zh-CN" altLang="en-US"/>
           </a:p>
@@ -7345,12 +7345,6 @@
               <a:rPr lang="en-US" altLang="zh-CN" dirty="0" smtClean="0"/>
               <a:t>? </a:t>
             </a:r>
-          </a:p>
-          <a:p>
-            <a:pPr marL="0" indent="0">
-              <a:buNone/>
-            </a:pPr>
-            <a:endParaRPr lang="en-US" altLang="zh-CN" dirty="0" smtClean="0"/>
           </a:p>
           <a:p>
             <a:r>
